--- a/docs/diagrams/PaymentSequenceDiagram.pptx
+++ b/docs/diagrams/PaymentSequenceDiagram.pptx
@@ -3929,23 +3929,7 @@
                   <a:srgbClr val="0070C0"/>
                 </a:solidFill>
               </a:rPr>
-              <a:t>execute( “paid </a:t>
-            </a:r>
-            <a:r>
-              <a:rPr lang="en-US" sz="1100" dirty="0" err="1">
-                <a:solidFill>
-                  <a:srgbClr val="0070C0"/>
-                </a:solidFill>
-              </a:rPr>
-              <a:t>idx</a:t>
-            </a:r>
-            <a:r>
-              <a:rPr lang="en-US" sz="1100" dirty="0">
-                <a:solidFill>
-                  <a:srgbClr val="0070C0"/>
-                </a:solidFill>
-              </a:rPr>
-              <a:t>/1 amt/200 m/8 y/2018”)</a:t>
+              <a:t>execute( “paid 1 200 8 2018”)</a:t>
             </a:r>
           </a:p>
         </p:txBody>
@@ -4209,7 +4193,7 @@
         <p:spPr>
           <a:xfrm>
             <a:off x="3358349" y="995423"/>
-            <a:ext cx="2211727" cy="338554"/>
+            <a:ext cx="2211727" cy="169277"/>
           </a:xfrm>
           <a:prstGeom prst="rect">
             <a:avLst/>
@@ -4240,15 +4224,7 @@
             </a:r>
             <a:r>
               <a:rPr lang="en-US" sz="1100" dirty="0"/>
-              <a:t>(“paid </a:t>
-            </a:r>
-            <a:r>
-              <a:rPr lang="en-US" sz="1100" dirty="0" err="1"/>
-              <a:t>idx</a:t>
-            </a:r>
-            <a:r>
-              <a:rPr lang="en-US" sz="1100" dirty="0"/>
-              <a:t>/1 amt/200 m/8 y/2018”)</a:t>
+              <a:t>(“paid 1 200 8 2018”)</a:t>
             </a:r>
           </a:p>
         </p:txBody>
@@ -5585,7 +5561,7 @@
         <p:spPr>
           <a:xfrm>
             <a:off x="5673914" y="2084332"/>
-            <a:ext cx="1078458" cy="646331"/>
+            <a:ext cx="1078458" cy="461665"/>
           </a:xfrm>
           <a:prstGeom prst="rect">
             <a:avLst/>
@@ -5604,23 +5580,7 @@
                   <a:schemeClr val="accent1"/>
                 </a:solidFill>
               </a:rPr>
-              <a:t>Parse(“</a:t>
-            </a:r>
-            <a:r>
-              <a:rPr lang="en-GB" sz="1200" dirty="0" err="1">
-                <a:solidFill>
-                  <a:schemeClr val="accent1"/>
-                </a:solidFill>
-              </a:rPr>
-              <a:t>idx</a:t>
-            </a:r>
-            <a:r>
-              <a:rPr lang="en-GB" sz="1200" dirty="0">
-                <a:solidFill>
-                  <a:schemeClr val="accent1"/>
-                </a:solidFill>
-              </a:rPr>
-              <a:t>/1 amt/200 m/8 y/2018”)</a:t>
+              <a:t>Parse(“1 200 8 2018”)</a:t>
             </a:r>
           </a:p>
         </p:txBody>

--- a/docs/diagrams/PaymentSequenceDiagram.pptx
+++ b/docs/diagrams/PaymentSequenceDiagram.pptx
@@ -197,7 +197,7 @@
           <a:p>
             <a:fld id="{62511F6D-3957-4073-A6EA-8AA084D57D2E}" type="datetimeFigureOut">
               <a:rPr lang="en-US" smtClean="0"/>
-              <a:t>10/20/2018</a:t>
+              <a:t>11/10/2018</a:t>
             </a:fld>
             <a:endParaRPr lang="en-US"/>
           </a:p>
@@ -681,7 +681,7 @@
           <a:p>
             <a:fld id="{56380CDC-2C67-42AA-B1DF-B7373BF777ED}" type="datetimeFigureOut">
               <a:rPr lang="en-US" smtClean="0"/>
-              <a:t>10/20/2018</a:t>
+              <a:t>11/10/2018</a:t>
             </a:fld>
             <a:endParaRPr lang="en-US"/>
           </a:p>
@@ -849,7 +849,7 @@
           <a:p>
             <a:fld id="{56380CDC-2C67-42AA-B1DF-B7373BF777ED}" type="datetimeFigureOut">
               <a:rPr lang="en-US" smtClean="0"/>
-              <a:t>10/20/2018</a:t>
+              <a:t>11/10/2018</a:t>
             </a:fld>
             <a:endParaRPr lang="en-US"/>
           </a:p>
@@ -1027,7 +1027,7 @@
           <a:p>
             <a:fld id="{56380CDC-2C67-42AA-B1DF-B7373BF777ED}" type="datetimeFigureOut">
               <a:rPr lang="en-US" smtClean="0"/>
-              <a:t>10/20/2018</a:t>
+              <a:t>11/10/2018</a:t>
             </a:fld>
             <a:endParaRPr lang="en-US"/>
           </a:p>
@@ -1195,7 +1195,7 @@
           <a:p>
             <a:fld id="{56380CDC-2C67-42AA-B1DF-B7373BF777ED}" type="datetimeFigureOut">
               <a:rPr lang="en-US" smtClean="0"/>
-              <a:t>10/20/2018</a:t>
+              <a:t>11/10/2018</a:t>
             </a:fld>
             <a:endParaRPr lang="en-US"/>
           </a:p>
@@ -1440,7 +1440,7 @@
           <a:p>
             <a:fld id="{56380CDC-2C67-42AA-B1DF-B7373BF777ED}" type="datetimeFigureOut">
               <a:rPr lang="en-US" smtClean="0"/>
-              <a:t>10/20/2018</a:t>
+              <a:t>11/10/2018</a:t>
             </a:fld>
             <a:endParaRPr lang="en-US"/>
           </a:p>
@@ -1669,7 +1669,7 @@
           <a:p>
             <a:fld id="{56380CDC-2C67-42AA-B1DF-B7373BF777ED}" type="datetimeFigureOut">
               <a:rPr lang="en-US" smtClean="0"/>
-              <a:t>10/20/2018</a:t>
+              <a:t>11/10/2018</a:t>
             </a:fld>
             <a:endParaRPr lang="en-US"/>
           </a:p>
@@ -2033,7 +2033,7 @@
           <a:p>
             <a:fld id="{56380CDC-2C67-42AA-B1DF-B7373BF777ED}" type="datetimeFigureOut">
               <a:rPr lang="en-US" smtClean="0"/>
-              <a:t>10/20/2018</a:t>
+              <a:t>11/10/2018</a:t>
             </a:fld>
             <a:endParaRPr lang="en-US"/>
           </a:p>
@@ -2150,7 +2150,7 @@
           <a:p>
             <a:fld id="{56380CDC-2C67-42AA-B1DF-B7373BF777ED}" type="datetimeFigureOut">
               <a:rPr lang="en-US" smtClean="0"/>
-              <a:t>10/20/2018</a:t>
+              <a:t>11/10/2018</a:t>
             </a:fld>
             <a:endParaRPr lang="en-US"/>
           </a:p>
@@ -2245,7 +2245,7 @@
           <a:p>
             <a:fld id="{56380CDC-2C67-42AA-B1DF-B7373BF777ED}" type="datetimeFigureOut">
               <a:rPr lang="en-US" smtClean="0"/>
-              <a:t>10/20/2018</a:t>
+              <a:t>11/10/2018</a:t>
             </a:fld>
             <a:endParaRPr lang="en-US"/>
           </a:p>
@@ -2520,7 +2520,7 @@
           <a:p>
             <a:fld id="{56380CDC-2C67-42AA-B1DF-B7373BF777ED}" type="datetimeFigureOut">
               <a:rPr lang="en-US" smtClean="0"/>
-              <a:t>10/20/2018</a:t>
+              <a:t>11/10/2018</a:t>
             </a:fld>
             <a:endParaRPr lang="en-US"/>
           </a:p>
@@ -2772,7 +2772,7 @@
           <a:p>
             <a:fld id="{56380CDC-2C67-42AA-B1DF-B7373BF777ED}" type="datetimeFigureOut">
               <a:rPr lang="en-US" smtClean="0"/>
-              <a:t>10/20/2018</a:t>
+              <a:t>11/10/2018</a:t>
             </a:fld>
             <a:endParaRPr lang="en-US"/>
           </a:p>
@@ -2983,7 +2983,7 @@
           <a:p>
             <a:fld id="{56380CDC-2C67-42AA-B1DF-B7373BF777ED}" type="datetimeFigureOut">
               <a:rPr lang="en-US" smtClean="0"/>
-              <a:t>10/20/2018</a:t>
+              <a:t>11/10/2018</a:t>
             </a:fld>
             <a:endParaRPr lang="en-US"/>
           </a:p>
@@ -3668,8 +3668,8 @@
         </p:nvSpPr>
         <p:spPr>
           <a:xfrm>
-            <a:off x="4961188" y="423022"/>
-            <a:ext cx="1219200" cy="467684"/>
+            <a:off x="4961187" y="423022"/>
+            <a:ext cx="1242079" cy="467684"/>
           </a:xfrm>
           <a:prstGeom prst="rect">
             <a:avLst/>
@@ -3709,18 +3709,15 @@
                   <a:schemeClr val="bg1"/>
                 </a:solidFill>
               </a:rPr>
-              <a:t>:Address</a:t>
-            </a:r>
-          </a:p>
-          <a:p>
-            <a:pPr algn="ctr"/>
+              <a:t>:</a:t>
+            </a:r>
             <a:r>
               <a:rPr lang="en-US" sz="1600" dirty="0" err="1">
                 <a:solidFill>
                   <a:schemeClr val="bg1"/>
                 </a:solidFill>
               </a:rPr>
-              <a:t>BookParser</a:t>
+              <a:t>TutorHelperParser</a:t>
             </a:r>
             <a:endParaRPr lang="en-SG" sz="1600" dirty="0">
               <a:solidFill>
@@ -4171,7 +4168,7 @@
                   <a:srgbClr val="7030A0"/>
                 </a:solidFill>
               </a:rPr>
-              <a:t>updatePerson</a:t>
+              <a:t>updateStudent</a:t>
             </a:r>
             <a:r>
               <a:rPr lang="en-US" sz="1000" dirty="0">
